--- a/CaseStudy2/DS7333_CaseStudy_2_RPatel_SReddy.pptx
+++ b/CaseStudy2/DS7333_CaseStudy_2_RPatel_SReddy.pptx
@@ -5,7 +5,7 @@
     <p:sldMasterId id="2147483660" r:id="rId1"/>
   </p:sldMasterIdLst>
   <p:notesMasterIdLst>
-    <p:notesMasterId r:id="rId36"/>
+    <p:notesMasterId r:id="rId38"/>
   </p:notesMasterIdLst>
   <p:sldIdLst>
     <p:sldId id="580" r:id="rId2"/>
@@ -33,15 +33,17 @@
     <p:sldId id="623" r:id="rId24"/>
     <p:sldId id="625" r:id="rId25"/>
     <p:sldId id="594" r:id="rId26"/>
-    <p:sldId id="595" r:id="rId27"/>
-    <p:sldId id="626" r:id="rId28"/>
-    <p:sldId id="624" r:id="rId29"/>
-    <p:sldId id="629" r:id="rId30"/>
-    <p:sldId id="631" r:id="rId31"/>
-    <p:sldId id="601" r:id="rId32"/>
-    <p:sldId id="630" r:id="rId33"/>
-    <p:sldId id="632" r:id="rId34"/>
-    <p:sldId id="633" r:id="rId35"/>
+    <p:sldId id="635" r:id="rId27"/>
+    <p:sldId id="595" r:id="rId28"/>
+    <p:sldId id="626" r:id="rId29"/>
+    <p:sldId id="624" r:id="rId30"/>
+    <p:sldId id="636" r:id="rId31"/>
+    <p:sldId id="637" r:id="rId32"/>
+    <p:sldId id="629" r:id="rId33"/>
+    <p:sldId id="601" r:id="rId34"/>
+    <p:sldId id="630" r:id="rId35"/>
+    <p:sldId id="631" r:id="rId36"/>
+    <p:sldId id="633" r:id="rId37"/>
   </p:sldIdLst>
   <p:sldSz cx="12192000" cy="6858000"/>
   <p:notesSz cx="6858000" cy="9144000"/>
@@ -230,7 +232,7 @@
           <a:p>
             <a:fld id="{4EE2D1DB-A360-1F43-8B8F-3D1DFDA5E1BD}" type="datetimeFigureOut">
               <a:rPr lang="en-US" smtClean="0"/>
-              <a:t>1/31/22</a:t>
+              <a:t>1/31/2022</a:t>
             </a:fld>
             <a:endParaRPr lang="en-US"/>
           </a:p>
@@ -6375,10 +6377,10 @@
       </p:grpSpPr>
       <p:sp>
         <p:nvSpPr>
-          <p:cNvPr id="3" name="Content Placeholder 2">
-            <a:extLst>
-              <a:ext uri="{FF2B5EF4-FFF2-40B4-BE49-F238E27FC236}">
-                <a16:creationId xmlns:a16="http://schemas.microsoft.com/office/drawing/2014/main" id="{0E2D0E74-4E5A-450C-BAAF-3ADC2C0E5ECE}"/>
+          <p:cNvPr id="4" name="Title 3">
+            <a:extLst>
+              <a:ext uri="{FF2B5EF4-FFF2-40B4-BE49-F238E27FC236}">
+                <a16:creationId xmlns:a16="http://schemas.microsoft.com/office/drawing/2014/main" id="{D12DCA7D-D563-4430-935F-530547DF5170}"/>
               </a:ext>
             </a:extLst>
           </p:cNvPr>
@@ -6386,199 +6388,31 @@
             <a:spLocks noGrp="1"/>
           </p:cNvSpPr>
           <p:nvPr>
-            <p:ph idx="4294967295"/>
+            <p:ph type="title"/>
           </p:nvPr>
         </p:nvSpPr>
         <p:spPr>
           <a:xfrm>
-            <a:off x="662471" y="475862"/>
-            <a:ext cx="11420671" cy="669892"/>
+            <a:off x="609600" y="2518873"/>
+            <a:ext cx="10972800" cy="1143000"/>
           </a:xfrm>
         </p:spPr>
         <p:txBody>
           <a:bodyPr/>
           <a:lstStyle/>
           <a:p>
-            <a:pPr marL="0" indent="0" algn="ctr">
-              <a:buNone/>
-            </a:pPr>
-            <a:r>
-              <a:rPr lang="en-US" sz="2800" b="1" dirty="0"/>
-              <a:t>Logistic Regression using </a:t>
-            </a:r>
-            <a:r>
-              <a:rPr lang="en-US" sz="2800" b="1" dirty="0" err="1"/>
-              <a:t>StratifiedKFold</a:t>
-            </a:r>
-            <a:r>
-              <a:rPr lang="en-US" sz="2800" b="1" dirty="0"/>
-              <a:t> and CV</a:t>
-            </a:r>
-          </a:p>
-        </p:txBody>
-      </p:sp>
-      <p:pic>
-        <p:nvPicPr>
-          <p:cNvPr id="4" name="Picture 3">
-            <a:extLst>
-              <a:ext uri="{FF2B5EF4-FFF2-40B4-BE49-F238E27FC236}">
-                <a16:creationId xmlns:a16="http://schemas.microsoft.com/office/drawing/2014/main" id="{901D476F-A7D6-470F-B33C-52E7E80B42BB}"/>
-              </a:ext>
-            </a:extLst>
-          </p:cNvPr>
-          <p:cNvPicPr>
-            <a:picLocks noChangeAspect="1"/>
-          </p:cNvPicPr>
-          <p:nvPr/>
-        </p:nvPicPr>
-        <p:blipFill>
-          <a:blip r:embed="rId2"/>
-          <a:stretch>
-            <a:fillRect/>
-          </a:stretch>
-        </p:blipFill>
-        <p:spPr>
-          <a:xfrm>
-            <a:off x="1355074" y="2163798"/>
-            <a:ext cx="8757131" cy="563835"/>
-          </a:xfrm>
-          <a:prstGeom prst="rect">
-            <a:avLst/>
-          </a:prstGeom>
-          <a:ln w="38100" cap="sq">
-            <a:solidFill>
-              <a:srgbClr val="000000"/>
-            </a:solidFill>
-            <a:prstDash val="solid"/>
-            <a:miter lim="800000"/>
-          </a:ln>
-          <a:effectLst>
-            <a:outerShdw blurRad="50800" dist="38100" dir="2700000" algn="tl" rotWithShape="0">
-              <a:srgbClr val="000000">
-                <a:alpha val="43000"/>
-              </a:srgbClr>
-            </a:outerShdw>
-          </a:effectLst>
-        </p:spPr>
-      </p:pic>
-      <p:pic>
-        <p:nvPicPr>
-          <p:cNvPr id="6" name="Picture 5">
-            <a:extLst>
-              <a:ext uri="{FF2B5EF4-FFF2-40B4-BE49-F238E27FC236}">
-                <a16:creationId xmlns:a16="http://schemas.microsoft.com/office/drawing/2014/main" id="{CAC35897-B430-4230-9566-99159820ACB2}"/>
-              </a:ext>
-            </a:extLst>
-          </p:cNvPr>
-          <p:cNvPicPr>
-            <a:picLocks noChangeAspect="1"/>
-          </p:cNvPicPr>
-          <p:nvPr/>
-        </p:nvPicPr>
-        <p:blipFill>
-          <a:blip r:embed="rId3"/>
-          <a:stretch>
-            <a:fillRect/>
-          </a:stretch>
-        </p:blipFill>
-        <p:spPr>
-          <a:xfrm>
-            <a:off x="1355075" y="2973337"/>
-            <a:ext cx="8757130" cy="3721998"/>
-          </a:xfrm>
-          <a:prstGeom prst="rect">
-            <a:avLst/>
-          </a:prstGeom>
-          <a:ln w="38100" cap="sq">
-            <a:solidFill>
-              <a:srgbClr val="000000"/>
-            </a:solidFill>
-            <a:prstDash val="solid"/>
-            <a:miter lim="800000"/>
-          </a:ln>
-          <a:effectLst>
-            <a:outerShdw blurRad="50800" dist="38100" dir="2700000" algn="tl" rotWithShape="0">
-              <a:srgbClr val="000000">
-                <a:alpha val="43000"/>
-              </a:srgbClr>
-            </a:outerShdw>
-          </a:effectLst>
-        </p:spPr>
-      </p:pic>
-      <p:sp>
-        <p:nvSpPr>
-          <p:cNvPr id="2" name="Rectangle 1">
-            <a:extLst>
-              <a:ext uri="{FF2B5EF4-FFF2-40B4-BE49-F238E27FC236}">
-                <a16:creationId xmlns:a16="http://schemas.microsoft.com/office/drawing/2014/main" id="{24A1C11A-4DE6-614E-BA3D-40694364AE68}"/>
-              </a:ext>
-            </a:extLst>
-          </p:cNvPr>
-          <p:cNvSpPr/>
-          <p:nvPr/>
-        </p:nvSpPr>
-        <p:spPr>
-          <a:xfrm>
-            <a:off x="662471" y="1281149"/>
-            <a:ext cx="9946772" cy="923330"/>
-          </a:xfrm>
-          <a:prstGeom prst="rect">
-            <a:avLst/>
-          </a:prstGeom>
-        </p:spPr>
-        <p:txBody>
-          <a:bodyPr wrap="square">
-            <a:spAutoFit/>
-          </a:bodyPr>
-          <a:lstStyle/>
-          <a:p>
-            <a:r>
-              <a:rPr lang="en-US" b="1" dirty="0"/>
-              <a:t>Model</a:t>
-            </a:r>
-            <a:r>
-              <a:rPr lang="en-US" dirty="0"/>
-              <a:t> : We first created the cross-validation object using </a:t>
-            </a:r>
-            <a:r>
-              <a:rPr lang="en-US" dirty="0" err="1"/>
-              <a:t>StratifiedKFold</a:t>
-            </a:r>
-            <a:r>
-              <a:rPr lang="en-US" dirty="0"/>
-              <a:t> from </a:t>
-            </a:r>
-            <a:r>
-              <a:rPr lang="en-US" dirty="0" err="1"/>
-              <a:t>sklearn.model_selection</a:t>
-            </a:r>
-            <a:r>
-              <a:rPr lang="en-US" dirty="0"/>
-              <a:t> and using </a:t>
-            </a:r>
-            <a:r>
-              <a:rPr lang="en-US" dirty="0" err="1"/>
+            <a:r>
+              <a:rPr lang="en-US" b="1" dirty="0" err="1"/>
               <a:t>LogisticRegressionCV</a:t>
             </a:r>
-            <a:r>
-              <a:rPr lang="en-US" dirty="0"/>
-              <a:t> from </a:t>
-            </a:r>
-            <a:r>
-              <a:rPr lang="en-US" dirty="0" err="1"/>
-              <a:t>sklearn.linear_model</a:t>
-            </a:r>
-            <a:r>
-              <a:rPr lang="en-US" dirty="0"/>
-              <a:t> we built the model. </a:t>
-            </a:r>
+            <a:endParaRPr lang="en-US" b="1" dirty="0"/>
           </a:p>
         </p:txBody>
       </p:sp>
     </p:spTree>
     <p:extLst>
       <p:ext uri="{BB962C8B-B14F-4D97-AF65-F5344CB8AC3E}">
-        <p14:creationId xmlns:p14="http://schemas.microsoft.com/office/powerpoint/2010/main" val="3058465128"/>
+        <p14:creationId xmlns:p14="http://schemas.microsoft.com/office/powerpoint/2010/main" val="709435451"/>
       </p:ext>
     </p:extLst>
   </p:cSld>
@@ -6623,40 +6457,38 @@
         </p:nvSpPr>
         <p:spPr>
           <a:xfrm>
-            <a:off x="385664" y="431026"/>
-            <a:ext cx="11420671" cy="1308871"/>
+            <a:off x="662471" y="475862"/>
+            <a:ext cx="11420671" cy="669892"/>
           </a:xfrm>
         </p:spPr>
         <p:txBody>
           <a:bodyPr/>
           <a:lstStyle/>
           <a:p>
-            <a:endParaRPr lang="en-US" sz="1600" dirty="0"/>
-          </a:p>
-          <a:p>
-            <a:pPr marL="0" indent="0">
-              <a:buNone/>
-            </a:pPr>
-            <a:endParaRPr lang="en-US" sz="1600" dirty="0"/>
-          </a:p>
-          <a:p>
             <a:pPr marL="0" indent="0" algn="ctr">
               <a:buNone/>
             </a:pPr>
             <a:r>
               <a:rPr lang="en-US" sz="2800" b="1" dirty="0"/>
-              <a:t>Cross Val Score</a:t>
-            </a:r>
-            <a:endParaRPr lang="en-US" sz="2800" dirty="0"/>
+              <a:t>Logistic Regression using </a:t>
+            </a:r>
+            <a:r>
+              <a:rPr lang="en-US" sz="2800" b="1" dirty="0" err="1"/>
+              <a:t>StratifiedKFold</a:t>
+            </a:r>
+            <a:r>
+              <a:rPr lang="en-US" sz="2800" b="1" dirty="0"/>
+              <a:t> and CV</a:t>
+            </a:r>
           </a:p>
         </p:txBody>
       </p:sp>
       <p:pic>
         <p:nvPicPr>
-          <p:cNvPr id="5" name="Picture 4">
-            <a:extLst>
-              <a:ext uri="{FF2B5EF4-FFF2-40B4-BE49-F238E27FC236}">
-                <a16:creationId xmlns:a16="http://schemas.microsoft.com/office/drawing/2014/main" id="{701DDBF8-54DF-4646-B5BC-58A0D0C389D4}"/>
+          <p:cNvPr id="4" name="Picture 3">
+            <a:extLst>
+              <a:ext uri="{FF2B5EF4-FFF2-40B4-BE49-F238E27FC236}">
+                <a16:creationId xmlns:a16="http://schemas.microsoft.com/office/drawing/2014/main" id="{901D476F-A7D6-470F-B33C-52E7E80B42BB}"/>
               </a:ext>
             </a:extLst>
           </p:cNvPr>
@@ -6673,8 +6505,8 @@
         </p:blipFill>
         <p:spPr>
           <a:xfrm>
-            <a:off x="662471" y="3223802"/>
-            <a:ext cx="9505950" cy="609600"/>
+            <a:off x="1355074" y="2163798"/>
+            <a:ext cx="8757131" cy="563835"/>
           </a:xfrm>
           <a:prstGeom prst="rect">
             <a:avLst/>
@@ -6695,12 +6527,56 @@
           </a:effectLst>
         </p:spPr>
       </p:pic>
+      <p:pic>
+        <p:nvPicPr>
+          <p:cNvPr id="6" name="Picture 5">
+            <a:extLst>
+              <a:ext uri="{FF2B5EF4-FFF2-40B4-BE49-F238E27FC236}">
+                <a16:creationId xmlns:a16="http://schemas.microsoft.com/office/drawing/2014/main" id="{CAC35897-B430-4230-9566-99159820ACB2}"/>
+              </a:ext>
+            </a:extLst>
+          </p:cNvPr>
+          <p:cNvPicPr>
+            <a:picLocks noChangeAspect="1"/>
+          </p:cNvPicPr>
+          <p:nvPr/>
+        </p:nvPicPr>
+        <p:blipFill>
+          <a:blip r:embed="rId3"/>
+          <a:stretch>
+            <a:fillRect/>
+          </a:stretch>
+        </p:blipFill>
+        <p:spPr>
+          <a:xfrm>
+            <a:off x="1355075" y="2973337"/>
+            <a:ext cx="8757130" cy="3721998"/>
+          </a:xfrm>
+          <a:prstGeom prst="rect">
+            <a:avLst/>
+          </a:prstGeom>
+          <a:ln w="38100" cap="sq">
+            <a:solidFill>
+              <a:srgbClr val="000000"/>
+            </a:solidFill>
+            <a:prstDash val="solid"/>
+            <a:miter lim="800000"/>
+          </a:ln>
+          <a:effectLst>
+            <a:outerShdw blurRad="50800" dist="38100" dir="2700000" algn="tl" rotWithShape="0">
+              <a:srgbClr val="000000">
+                <a:alpha val="43000"/>
+              </a:srgbClr>
+            </a:outerShdw>
+          </a:effectLst>
+        </p:spPr>
+      </p:pic>
       <p:sp>
         <p:nvSpPr>
           <p:cNvPr id="2" name="Rectangle 1">
             <a:extLst>
               <a:ext uri="{FF2B5EF4-FFF2-40B4-BE49-F238E27FC236}">
-                <a16:creationId xmlns:a16="http://schemas.microsoft.com/office/drawing/2014/main" id="{31978E60-854A-844D-B8F0-165DFB8C9CDE}"/>
+                <a16:creationId xmlns:a16="http://schemas.microsoft.com/office/drawing/2014/main" id="{24A1C11A-4DE6-614E-BA3D-40694364AE68}"/>
               </a:ext>
             </a:extLst>
           </p:cNvPr>
@@ -6709,8 +6585,8 @@
         </p:nvSpPr>
         <p:spPr>
           <a:xfrm>
-            <a:off x="385663" y="2297183"/>
-            <a:ext cx="11420671" cy="369332"/>
+            <a:off x="662471" y="1281149"/>
+            <a:ext cx="9946772" cy="923330"/>
           </a:xfrm>
           <a:prstGeom prst="rect">
             <a:avLst/>
@@ -6723,8 +6599,28 @@
           <a:lstStyle/>
           <a:p>
             <a:r>
+              <a:rPr lang="en-US" b="1" dirty="0"/>
+              <a:t>Model</a:t>
+            </a:r>
+            <a:r>
               <a:rPr lang="en-US" dirty="0"/>
-              <a:t>The default scoring method for </a:t>
+              <a:t> : We first created the cross-validation object using </a:t>
+            </a:r>
+            <a:r>
+              <a:rPr lang="en-US" dirty="0" err="1"/>
+              <a:t>StratifiedKFold</a:t>
+            </a:r>
+            <a:r>
+              <a:rPr lang="en-US" dirty="0"/>
+              <a:t> from </a:t>
+            </a:r>
+            <a:r>
+              <a:rPr lang="en-US" dirty="0" err="1"/>
+              <a:t>sklearn.model_selection</a:t>
+            </a:r>
+            <a:r>
+              <a:rPr lang="en-US" dirty="0"/>
+              <a:t> and using </a:t>
             </a:r>
             <a:r>
               <a:rPr lang="en-US" dirty="0" err="1"/>
@@ -6732,15 +6628,15 @@
             </a:r>
             <a:r>
               <a:rPr lang="en-US" dirty="0"/>
-              <a:t> is ‘accuracy’. We got a </a:t>
+              <a:t> from </a:t>
             </a:r>
             <a:r>
               <a:rPr lang="en-US" dirty="0" err="1"/>
-              <a:t>cross_val_score</a:t>
+              <a:t>sklearn.linear_model</a:t>
             </a:r>
             <a:r>
               <a:rPr lang="en-US" dirty="0"/>
-              <a:t> of 88.7%. </a:t>
+              <a:t> we built the model. </a:t>
             </a:r>
           </a:p>
         </p:txBody>
@@ -6748,7 +6644,7 @@
     </p:spTree>
     <p:extLst>
       <p:ext uri="{BB962C8B-B14F-4D97-AF65-F5344CB8AC3E}">
-        <p14:creationId xmlns:p14="http://schemas.microsoft.com/office/powerpoint/2010/main" val="3867886799"/>
+        <p14:creationId xmlns:p14="http://schemas.microsoft.com/office/powerpoint/2010/main" val="3058465128"/>
       </p:ext>
     </p:extLst>
   </p:cSld>
@@ -6793,8 +6689,8 @@
         </p:nvSpPr>
         <p:spPr>
           <a:xfrm>
-            <a:off x="662471" y="475862"/>
-            <a:ext cx="11420671" cy="5650302"/>
+            <a:off x="385664" y="431026"/>
+            <a:ext cx="11420671" cy="1308871"/>
           </a:xfrm>
         </p:spPr>
         <p:txBody>
@@ -6809,65 +6705,24 @@
             </a:pPr>
             <a:endParaRPr lang="en-US" sz="1600" dirty="0"/>
           </a:p>
-        </p:txBody>
-      </p:sp>
-      <p:sp>
-        <p:nvSpPr>
-          <p:cNvPr id="5" name="Title 1">
-            <a:extLst>
-              <a:ext uri="{FF2B5EF4-FFF2-40B4-BE49-F238E27FC236}">
-                <a16:creationId xmlns:a16="http://schemas.microsoft.com/office/drawing/2014/main" id="{72180D6E-AAC9-4D13-8E44-4A3139DB3934}"/>
-              </a:ext>
-            </a:extLst>
-          </p:cNvPr>
-          <p:cNvSpPr txBox="1">
-            <a:spLocks/>
-          </p:cNvSpPr>
-          <p:nvPr/>
-        </p:nvSpPr>
-        <p:spPr>
-          <a:xfrm>
-            <a:off x="609600" y="316435"/>
-            <a:ext cx="10972800" cy="485386"/>
-          </a:xfrm>
-          <a:prstGeom prst="rect">
-            <a:avLst/>
-          </a:prstGeom>
-        </p:spPr>
-        <p:txBody>
-          <a:bodyPr vert="horz" lIns="91440" tIns="45720" rIns="91440" bIns="45720" rtlCol="0" anchor="ctr">
-            <a:noAutofit/>
-          </a:bodyPr>
-          <a:lstStyle>
-            <a:lvl1pPr algn="ctr" defTabSz="914400" rtl="0" eaLnBrk="1" latinLnBrk="0" hangingPunct="1">
-              <a:spcBef>
-                <a:spcPct val="0"/>
-              </a:spcBef>
-              <a:buNone/>
-              <a:defRPr sz="4400" b="0" i="0" u="none" kern="1200">
-                <a:solidFill>
-                  <a:schemeClr val="tx1"/>
-                </a:solidFill>
-                <a:latin typeface="+mj-lt"/>
-                <a:ea typeface="+mj-ea"/>
-                <a:cs typeface="+mj-cs"/>
-              </a:defRPr>
-            </a:lvl1pPr>
-          </a:lstStyle>
-          <a:p>
+          <a:p>
+            <a:pPr marL="0" indent="0" algn="ctr">
+              <a:buNone/>
+            </a:pPr>
             <a:r>
               <a:rPr lang="en-US" sz="2800" b="1" dirty="0"/>
-              <a:t>Top 25 features from Logistic Regression CV</a:t>
-            </a:r>
+              <a:t>Cross Val Score</a:t>
+            </a:r>
+            <a:endParaRPr lang="en-US" sz="2800" dirty="0"/>
           </a:p>
         </p:txBody>
       </p:sp>
       <p:pic>
         <p:nvPicPr>
-          <p:cNvPr id="4" name="Picture 3" descr="Table&#10;&#10;Description automatically generated">
-            <a:extLst>
-              <a:ext uri="{FF2B5EF4-FFF2-40B4-BE49-F238E27FC236}">
-                <a16:creationId xmlns:a16="http://schemas.microsoft.com/office/drawing/2014/main" id="{7A391F1A-77FD-FD42-A770-9A07FC3C6E96}"/>
+          <p:cNvPr id="5" name="Picture 4">
+            <a:extLst>
+              <a:ext uri="{FF2B5EF4-FFF2-40B4-BE49-F238E27FC236}">
+                <a16:creationId xmlns:a16="http://schemas.microsoft.com/office/drawing/2014/main" id="{701DDBF8-54DF-4646-B5BC-58A0D0C389D4}"/>
               </a:ext>
             </a:extLst>
           </p:cNvPr>
@@ -6877,21 +6732,15 @@
           <p:nvPr/>
         </p:nvPicPr>
         <p:blipFill>
-          <a:blip r:embed="rId2">
-            <a:extLst>
-              <a:ext uri="{28A0092B-C50C-407E-A947-70E740481C1C}">
-                <a14:useLocalDpi xmlns:a14="http://schemas.microsoft.com/office/drawing/2010/main" val="0"/>
-              </a:ext>
-            </a:extLst>
-          </a:blip>
+          <a:blip r:embed="rId2"/>
           <a:stretch>
             <a:fillRect/>
           </a:stretch>
         </p:blipFill>
         <p:spPr>
           <a:xfrm>
-            <a:off x="330506" y="1039017"/>
-            <a:ext cx="4368302" cy="5670589"/>
+            <a:off x="662471" y="3223802"/>
+            <a:ext cx="9505950" cy="609600"/>
           </a:xfrm>
           <a:prstGeom prst="rect">
             <a:avLst/>
@@ -6912,70 +6761,60 @@
           </a:effectLst>
         </p:spPr>
       </p:pic>
-      <p:pic>
-        <p:nvPicPr>
-          <p:cNvPr id="7" name="Picture 2">
-            <a:extLst>
-              <a:ext uri="{FF2B5EF4-FFF2-40B4-BE49-F238E27FC236}">
-                <a16:creationId xmlns:a16="http://schemas.microsoft.com/office/drawing/2014/main" id="{C90A44FB-7200-D94D-A56D-C98136C34A79}"/>
-              </a:ext>
-            </a:extLst>
-          </p:cNvPr>
-          <p:cNvPicPr>
-            <a:picLocks noChangeAspect="1" noChangeArrowheads="1"/>
-          </p:cNvPicPr>
+      <p:sp>
+        <p:nvSpPr>
+          <p:cNvPr id="2" name="Rectangle 1">
+            <a:extLst>
+              <a:ext uri="{FF2B5EF4-FFF2-40B4-BE49-F238E27FC236}">
+                <a16:creationId xmlns:a16="http://schemas.microsoft.com/office/drawing/2014/main" id="{31978E60-854A-844D-B8F0-165DFB8C9CDE}"/>
+              </a:ext>
+            </a:extLst>
+          </p:cNvPr>
+          <p:cNvSpPr/>
           <p:nvPr/>
-        </p:nvPicPr>
-        <p:blipFill>
-          <a:blip r:embed="rId3">
-            <a:extLst>
-              <a:ext uri="{28A0092B-C50C-407E-A947-70E740481C1C}">
-                <a14:useLocalDpi xmlns:a14="http://schemas.microsoft.com/office/drawing/2010/main" val="0"/>
-              </a:ext>
-            </a:extLst>
-          </a:blip>
-          <a:srcRect/>
-          <a:stretch>
-            <a:fillRect/>
-          </a:stretch>
-        </p:blipFill>
-        <p:spPr bwMode="auto">
-          <a:xfrm>
-            <a:off x="4923178" y="1710143"/>
-            <a:ext cx="7212835" cy="4416021"/>
+        </p:nvSpPr>
+        <p:spPr>
+          <a:xfrm>
+            <a:off x="385663" y="2297183"/>
+            <a:ext cx="11420671" cy="369332"/>
           </a:xfrm>
           <a:prstGeom prst="rect">
             <a:avLst/>
           </a:prstGeom>
-          <a:ln w="38100" cap="sq">
-            <a:solidFill>
-              <a:srgbClr val="000000"/>
-            </a:solidFill>
-            <a:prstDash val="solid"/>
-            <a:miter lim="800000"/>
-          </a:ln>
-          <a:effectLst>
-            <a:outerShdw blurRad="50800" dist="38100" dir="2700000" algn="tl" rotWithShape="0">
-              <a:srgbClr val="000000">
-                <a:alpha val="43000"/>
-              </a:srgbClr>
-            </a:outerShdw>
-          </a:effectLst>
-          <a:extLst>
-            <a:ext uri="{909E8E84-426E-40DD-AFC4-6F175D3DCCD1}">
-              <a14:hiddenFill xmlns:a14="http://schemas.microsoft.com/office/drawing/2010/main">
-                <a:solidFill>
-                  <a:srgbClr val="FFFFFF"/>
-                </a:solidFill>
-              </a14:hiddenFill>
-            </a:ext>
-          </a:extLst>
-        </p:spPr>
-      </p:pic>
+        </p:spPr>
+        <p:txBody>
+          <a:bodyPr wrap="square">
+            <a:spAutoFit/>
+          </a:bodyPr>
+          <a:lstStyle/>
+          <a:p>
+            <a:r>
+              <a:rPr lang="en-US" dirty="0"/>
+              <a:t>The default scoring method for </a:t>
+            </a:r>
+            <a:r>
+              <a:rPr lang="en-US" dirty="0" err="1"/>
+              <a:t>LogisticRegressionCV</a:t>
+            </a:r>
+            <a:r>
+              <a:rPr lang="en-US" dirty="0"/>
+              <a:t> is ‘accuracy’. We got a </a:t>
+            </a:r>
+            <a:r>
+              <a:rPr lang="en-US" dirty="0" err="1"/>
+              <a:t>cross_val_score</a:t>
+            </a:r>
+            <a:r>
+              <a:rPr lang="en-US" dirty="0"/>
+              <a:t> of 88.7%. </a:t>
+            </a:r>
+          </a:p>
+        </p:txBody>
+      </p:sp>
     </p:spTree>
     <p:extLst>
       <p:ext uri="{BB962C8B-B14F-4D97-AF65-F5344CB8AC3E}">
-        <p14:creationId xmlns:p14="http://schemas.microsoft.com/office/powerpoint/2010/main" val="3485732047"/>
+        <p14:creationId xmlns:p14="http://schemas.microsoft.com/office/powerpoint/2010/main" val="3867886799"/>
       </p:ext>
     </p:extLst>
   </p:cSld>
@@ -7054,7 +6893,7 @@
         </p:nvSpPr>
         <p:spPr>
           <a:xfrm>
-            <a:off x="373222" y="389165"/>
+            <a:off x="609600" y="316435"/>
             <a:ext cx="10972800" cy="485386"/>
           </a:xfrm>
           <a:prstGeom prst="rect">
@@ -7084,17 +6923,67 @@
           <a:p>
             <a:r>
               <a:rPr lang="en-US" sz="2800" b="1" dirty="0"/>
-              <a:t>Confusion Matrix</a:t>
+              <a:t>Top 25 features from Logistic Regression CV</a:t>
             </a:r>
           </a:p>
         </p:txBody>
       </p:sp>
       <p:pic>
         <p:nvPicPr>
-          <p:cNvPr id="1028" name="Picture 4">
-            <a:extLst>
-              <a:ext uri="{FF2B5EF4-FFF2-40B4-BE49-F238E27FC236}">
-                <a16:creationId xmlns:a16="http://schemas.microsoft.com/office/drawing/2014/main" id="{DC111A1E-C8E0-554F-BA30-DAB82C39B675}"/>
+          <p:cNvPr id="4" name="Picture 3" descr="Table&#10;&#10;Description automatically generated">
+            <a:extLst>
+              <a:ext uri="{FF2B5EF4-FFF2-40B4-BE49-F238E27FC236}">
+                <a16:creationId xmlns:a16="http://schemas.microsoft.com/office/drawing/2014/main" id="{7A391F1A-77FD-FD42-A770-9A07FC3C6E96}"/>
+              </a:ext>
+            </a:extLst>
+          </p:cNvPr>
+          <p:cNvPicPr>
+            <a:picLocks noChangeAspect="1"/>
+          </p:cNvPicPr>
+          <p:nvPr/>
+        </p:nvPicPr>
+        <p:blipFill>
+          <a:blip r:embed="rId2">
+            <a:extLst>
+              <a:ext uri="{28A0092B-C50C-407E-A947-70E740481C1C}">
+                <a14:useLocalDpi xmlns:a14="http://schemas.microsoft.com/office/drawing/2010/main" val="0"/>
+              </a:ext>
+            </a:extLst>
+          </a:blip>
+          <a:stretch>
+            <a:fillRect/>
+          </a:stretch>
+        </p:blipFill>
+        <p:spPr>
+          <a:xfrm>
+            <a:off x="330506" y="1039017"/>
+            <a:ext cx="4368302" cy="5670589"/>
+          </a:xfrm>
+          <a:prstGeom prst="rect">
+            <a:avLst/>
+          </a:prstGeom>
+          <a:ln w="38100" cap="sq">
+            <a:solidFill>
+              <a:srgbClr val="000000"/>
+            </a:solidFill>
+            <a:prstDash val="solid"/>
+            <a:miter lim="800000"/>
+          </a:ln>
+          <a:effectLst>
+            <a:outerShdw blurRad="50800" dist="38100" dir="2700000" algn="tl" rotWithShape="0">
+              <a:srgbClr val="000000">
+                <a:alpha val="43000"/>
+              </a:srgbClr>
+            </a:outerShdw>
+          </a:effectLst>
+        </p:spPr>
+      </p:pic>
+      <p:pic>
+        <p:nvPicPr>
+          <p:cNvPr id="7" name="Picture 2">
+            <a:extLst>
+              <a:ext uri="{FF2B5EF4-FFF2-40B4-BE49-F238E27FC236}">
+                <a16:creationId xmlns:a16="http://schemas.microsoft.com/office/drawing/2014/main" id="{C90A44FB-7200-D94D-A56D-C98136C34A79}"/>
               </a:ext>
             </a:extLst>
           </p:cNvPr>
@@ -7104,7 +6993,7 @@
           <p:nvPr/>
         </p:nvPicPr>
         <p:blipFill>
-          <a:blip r:embed="rId2">
+          <a:blip r:embed="rId3">
             <a:extLst>
               <a:ext uri="{28A0092B-C50C-407E-A947-70E740481C1C}">
                 <a14:useLocalDpi xmlns:a14="http://schemas.microsoft.com/office/drawing/2010/main" val="0"/>
@@ -7118,8 +7007,8 @@
         </p:blipFill>
         <p:spPr bwMode="auto">
           <a:xfrm>
-            <a:off x="3340100" y="2123461"/>
-            <a:ext cx="5511800" cy="4089400"/>
+            <a:off x="4923178" y="1710143"/>
+            <a:ext cx="7212835" cy="4416021"/>
           </a:xfrm>
           <a:prstGeom prst="rect">
             <a:avLst/>
@@ -7149,45 +7038,10 @@
           </a:extLst>
         </p:spPr>
       </p:pic>
-      <p:sp>
-        <p:nvSpPr>
-          <p:cNvPr id="2" name="TextBox 1">
-            <a:extLst>
-              <a:ext uri="{FF2B5EF4-FFF2-40B4-BE49-F238E27FC236}">
-                <a16:creationId xmlns:a16="http://schemas.microsoft.com/office/drawing/2014/main" id="{9A3B2696-9A44-934C-A4EC-D758984DEBE4}"/>
-              </a:ext>
-            </a:extLst>
-          </p:cNvPr>
-          <p:cNvSpPr txBox="1"/>
-          <p:nvPr/>
-        </p:nvSpPr>
-        <p:spPr>
-          <a:xfrm>
-            <a:off x="137766" y="1314340"/>
-            <a:ext cx="11420671" cy="646331"/>
-          </a:xfrm>
-          <a:prstGeom prst="rect">
-            <a:avLst/>
-          </a:prstGeom>
-          <a:noFill/>
-        </p:spPr>
-        <p:txBody>
-          <a:bodyPr wrap="square" rtlCol="0">
-            <a:spAutoFit/>
-          </a:bodyPr>
-          <a:lstStyle/>
-          <a:p>
-            <a:r>
-              <a:rPr lang="en-US" dirty="0"/>
-              <a:t>For generating the confusion matrix, simple logistic regression model was built using train-test split having stratify option. </a:t>
-            </a:r>
-          </a:p>
-        </p:txBody>
-      </p:sp>
     </p:spTree>
     <p:extLst>
       <p:ext uri="{BB962C8B-B14F-4D97-AF65-F5344CB8AC3E}">
-        <p14:creationId xmlns:p14="http://schemas.microsoft.com/office/powerpoint/2010/main" val="660177124"/>
+        <p14:creationId xmlns:p14="http://schemas.microsoft.com/office/powerpoint/2010/main" val="3485732047"/>
       </p:ext>
     </p:extLst>
   </p:cSld>
@@ -7529,10 +7383,10 @@
       </p:grpSpPr>
       <p:sp>
         <p:nvSpPr>
-          <p:cNvPr id="3" name="Content Placeholder 2">
-            <a:extLst>
-              <a:ext uri="{FF2B5EF4-FFF2-40B4-BE49-F238E27FC236}">
-                <a16:creationId xmlns:a16="http://schemas.microsoft.com/office/drawing/2014/main" id="{0E2D0E74-4E5A-450C-BAAF-3ADC2C0E5ECE}"/>
+          <p:cNvPr id="4" name="Title 3">
+            <a:extLst>
+              <a:ext uri="{FF2B5EF4-FFF2-40B4-BE49-F238E27FC236}">
+                <a16:creationId xmlns:a16="http://schemas.microsoft.com/office/drawing/2014/main" id="{D12DCA7D-D563-4430-935F-530547DF5170}"/>
               </a:ext>
             </a:extLst>
           </p:cNvPr>
@@ -7540,194 +7394,31 @@
             <a:spLocks noGrp="1"/>
           </p:cNvSpPr>
           <p:nvPr>
-            <p:ph idx="4294967295"/>
+            <p:ph type="title"/>
           </p:nvPr>
         </p:nvSpPr>
         <p:spPr>
           <a:xfrm>
-            <a:off x="662471" y="475862"/>
-            <a:ext cx="11420671" cy="5650302"/>
+            <a:off x="609600" y="2518873"/>
+            <a:ext cx="10972800" cy="1143000"/>
           </a:xfrm>
         </p:spPr>
         <p:txBody>
           <a:bodyPr/>
           <a:lstStyle/>
           <a:p>
-            <a:endParaRPr lang="en-US" sz="1600" dirty="0"/>
-          </a:p>
-          <a:p>
-            <a:pPr marL="0" indent="0">
-              <a:buNone/>
-            </a:pPr>
-            <a:endParaRPr lang="en-US" sz="1600" dirty="0"/>
+            <a:r>
+              <a:rPr lang="en-US" b="1" dirty="0" err="1"/>
+              <a:t>LogisticRegression</a:t>
+            </a:r>
+            <a:endParaRPr lang="en-US" b="1" dirty="0"/>
           </a:p>
         </p:txBody>
       </p:sp>
-      <p:sp>
-        <p:nvSpPr>
-          <p:cNvPr id="5" name="Title 1">
-            <a:extLst>
-              <a:ext uri="{FF2B5EF4-FFF2-40B4-BE49-F238E27FC236}">
-                <a16:creationId xmlns:a16="http://schemas.microsoft.com/office/drawing/2014/main" id="{72180D6E-AAC9-4D13-8E44-4A3139DB3934}"/>
-              </a:ext>
-            </a:extLst>
-          </p:cNvPr>
-          <p:cNvSpPr txBox="1">
-            <a:spLocks/>
-          </p:cNvSpPr>
-          <p:nvPr/>
-        </p:nvSpPr>
-        <p:spPr>
-          <a:xfrm>
-            <a:off x="609600" y="316435"/>
-            <a:ext cx="10972800" cy="485386"/>
-          </a:xfrm>
-          <a:prstGeom prst="rect">
-            <a:avLst/>
-          </a:prstGeom>
-        </p:spPr>
-        <p:txBody>
-          <a:bodyPr vert="horz" lIns="91440" tIns="45720" rIns="91440" bIns="45720" rtlCol="0" anchor="ctr">
-            <a:noAutofit/>
-          </a:bodyPr>
-          <a:lstStyle>
-            <a:lvl1pPr algn="ctr" defTabSz="914400" rtl="0" eaLnBrk="1" latinLnBrk="0" hangingPunct="1">
-              <a:spcBef>
-                <a:spcPct val="0"/>
-              </a:spcBef>
-              <a:buNone/>
-              <a:defRPr sz="4400" b="0" i="0" u="none" kern="1200">
-                <a:solidFill>
-                  <a:schemeClr val="tx1"/>
-                </a:solidFill>
-                <a:latin typeface="+mj-lt"/>
-                <a:ea typeface="+mj-ea"/>
-                <a:cs typeface="+mj-cs"/>
-              </a:defRPr>
-            </a:lvl1pPr>
-          </a:lstStyle>
-          <a:p>
-            <a:r>
-              <a:rPr lang="en-US" sz="2800" b="1" dirty="0"/>
-              <a:t>Top 25 features from Logistic Regression</a:t>
-            </a:r>
-          </a:p>
-        </p:txBody>
-      </p:sp>
-      <p:pic>
-        <p:nvPicPr>
-          <p:cNvPr id="6146" name="Picture 2">
-            <a:extLst>
-              <a:ext uri="{FF2B5EF4-FFF2-40B4-BE49-F238E27FC236}">
-                <a16:creationId xmlns:a16="http://schemas.microsoft.com/office/drawing/2014/main" id="{34A4576E-C3CD-6D4C-A304-48DA01FB1ABF}"/>
-              </a:ext>
-            </a:extLst>
-          </p:cNvPr>
-          <p:cNvPicPr>
-            <a:picLocks noChangeAspect="1" noChangeArrowheads="1"/>
-          </p:cNvPicPr>
-          <p:nvPr/>
-        </p:nvPicPr>
-        <p:blipFill>
-          <a:blip r:embed="rId2">
-            <a:extLst>
-              <a:ext uri="{28A0092B-C50C-407E-A947-70E740481C1C}">
-                <a14:useLocalDpi xmlns:a14="http://schemas.microsoft.com/office/drawing/2010/main" val="0"/>
-              </a:ext>
-            </a:extLst>
-          </a:blip>
-          <a:srcRect/>
-          <a:stretch>
-            <a:fillRect/>
-          </a:stretch>
-        </p:blipFill>
-        <p:spPr bwMode="auto">
-          <a:xfrm>
-            <a:off x="5017571" y="2181339"/>
-            <a:ext cx="7065571" cy="3713105"/>
-          </a:xfrm>
-          <a:prstGeom prst="rect">
-            <a:avLst/>
-          </a:prstGeom>
-          <a:ln w="38100" cap="sq">
-            <a:solidFill>
-              <a:srgbClr val="000000"/>
-            </a:solidFill>
-            <a:prstDash val="solid"/>
-            <a:miter lim="800000"/>
-          </a:ln>
-          <a:effectLst>
-            <a:outerShdw blurRad="50800" dist="38100" dir="2700000" algn="tl" rotWithShape="0">
-              <a:srgbClr val="000000">
-                <a:alpha val="43000"/>
-              </a:srgbClr>
-            </a:outerShdw>
-          </a:effectLst>
-          <a:extLst>
-            <a:ext uri="{909E8E84-426E-40DD-AFC4-6F175D3DCCD1}">
-              <a14:hiddenFill xmlns:a14="http://schemas.microsoft.com/office/drawing/2010/main">
-                <a:solidFill>
-                  <a:srgbClr val="FFFFFF"/>
-                </a:solidFill>
-              </a14:hiddenFill>
-            </a:ext>
-          </a:extLst>
-        </p:spPr>
-      </p:pic>
-      <p:pic>
-        <p:nvPicPr>
-          <p:cNvPr id="6" name="Picture 5" descr="Table&#10;&#10;Description automatically generated">
-            <a:extLst>
-              <a:ext uri="{FF2B5EF4-FFF2-40B4-BE49-F238E27FC236}">
-                <a16:creationId xmlns:a16="http://schemas.microsoft.com/office/drawing/2014/main" id="{D1348877-55B3-544B-9CF4-89557278DC0C}"/>
-              </a:ext>
-            </a:extLst>
-          </p:cNvPr>
-          <p:cNvPicPr>
-            <a:picLocks noChangeAspect="1"/>
-          </p:cNvPicPr>
-          <p:nvPr/>
-        </p:nvPicPr>
-        <p:blipFill>
-          <a:blip r:embed="rId3">
-            <a:extLst>
-              <a:ext uri="{28A0092B-C50C-407E-A947-70E740481C1C}">
-                <a14:useLocalDpi xmlns:a14="http://schemas.microsoft.com/office/drawing/2010/main" val="0"/>
-              </a:ext>
-            </a:extLst>
-          </a:blip>
-          <a:stretch>
-            <a:fillRect/>
-          </a:stretch>
-        </p:blipFill>
-        <p:spPr>
-          <a:xfrm>
-            <a:off x="791922" y="801821"/>
-            <a:ext cx="3724907" cy="5867268"/>
-          </a:xfrm>
-          <a:prstGeom prst="rect">
-            <a:avLst/>
-          </a:prstGeom>
-          <a:ln w="38100" cap="sq">
-            <a:solidFill>
-              <a:srgbClr val="000000"/>
-            </a:solidFill>
-            <a:prstDash val="solid"/>
-            <a:miter lim="800000"/>
-          </a:ln>
-          <a:effectLst>
-            <a:outerShdw blurRad="50800" dist="38100" dir="2700000" algn="tl" rotWithShape="0">
-              <a:srgbClr val="000000">
-                <a:alpha val="43000"/>
-              </a:srgbClr>
-            </a:outerShdw>
-          </a:effectLst>
-        </p:spPr>
-      </p:pic>
     </p:spTree>
     <p:extLst>
       <p:ext uri="{BB962C8B-B14F-4D97-AF65-F5344CB8AC3E}">
-        <p14:creationId xmlns:p14="http://schemas.microsoft.com/office/powerpoint/2010/main" val="2511051312"/>
+        <p14:creationId xmlns:p14="http://schemas.microsoft.com/office/powerpoint/2010/main" val="3582625841"/>
       </p:ext>
     </p:extLst>
   </p:cSld>
@@ -7772,124 +7463,76 @@
         </p:nvSpPr>
         <p:spPr>
           <a:xfrm>
-            <a:off x="662471" y="1112704"/>
-            <a:ext cx="11420671" cy="947450"/>
+            <a:off x="662471" y="475862"/>
+            <a:ext cx="11420671" cy="669892"/>
           </a:xfrm>
         </p:spPr>
         <p:txBody>
           <a:bodyPr/>
           <a:lstStyle/>
           <a:p>
-            <a:endParaRPr lang="en-US" sz="1600" dirty="0"/>
-          </a:p>
-          <a:p>
-            <a:pPr marL="0" indent="0">
-              <a:buNone/>
-            </a:pPr>
-            <a:endParaRPr lang="en-US" sz="1600" dirty="0"/>
+            <a:pPr marL="0" indent="0" algn="ctr">
+              <a:buNone/>
+            </a:pPr>
+            <a:r>
+              <a:rPr lang="en-US" sz="2800" b="1" dirty="0"/>
+              <a:t>Logistic Regression using </a:t>
+            </a:r>
+            <a:r>
+              <a:rPr lang="en-US" sz="2800" b="1" dirty="0" err="1"/>
+              <a:t>sklearn.LogisticRegression</a:t>
+            </a:r>
+            <a:endParaRPr lang="en-US" sz="2800" b="1" dirty="0"/>
           </a:p>
         </p:txBody>
       </p:sp>
       <p:sp>
         <p:nvSpPr>
-          <p:cNvPr id="5" name="Title 1">
-            <a:extLst>
-              <a:ext uri="{FF2B5EF4-FFF2-40B4-BE49-F238E27FC236}">
-                <a16:creationId xmlns:a16="http://schemas.microsoft.com/office/drawing/2014/main" id="{72180D6E-AAC9-4D13-8E44-4A3139DB3934}"/>
-              </a:ext>
-            </a:extLst>
-          </p:cNvPr>
-          <p:cNvSpPr txBox="1">
-            <a:spLocks/>
-          </p:cNvSpPr>
+          <p:cNvPr id="2" name="Rectangle 1">
+            <a:extLst>
+              <a:ext uri="{FF2B5EF4-FFF2-40B4-BE49-F238E27FC236}">
+                <a16:creationId xmlns:a16="http://schemas.microsoft.com/office/drawing/2014/main" id="{24A1C11A-4DE6-614E-BA3D-40694364AE68}"/>
+              </a:ext>
+            </a:extLst>
+          </p:cNvPr>
+          <p:cNvSpPr/>
           <p:nvPr/>
         </p:nvSpPr>
         <p:spPr>
           <a:xfrm>
-            <a:off x="373222" y="389165"/>
-            <a:ext cx="10972800" cy="485386"/>
+            <a:off x="662471" y="1281149"/>
+            <a:ext cx="9946772" cy="923330"/>
           </a:xfrm>
           <a:prstGeom prst="rect">
             <a:avLst/>
           </a:prstGeom>
         </p:spPr>
         <p:txBody>
-          <a:bodyPr vert="horz" lIns="91440" tIns="45720" rIns="91440" bIns="45720" rtlCol="0" anchor="ctr">
-            <a:noAutofit/>
-          </a:bodyPr>
-          <a:lstStyle>
-            <a:lvl1pPr algn="ctr" defTabSz="914400" rtl="0" eaLnBrk="1" latinLnBrk="0" hangingPunct="1">
-              <a:spcBef>
-                <a:spcPct val="0"/>
-              </a:spcBef>
-              <a:buNone/>
-              <a:defRPr sz="4400" b="0" i="0" u="none" kern="1200">
-                <a:solidFill>
-                  <a:schemeClr val="tx1"/>
-                </a:solidFill>
-                <a:latin typeface="+mj-lt"/>
-                <a:ea typeface="+mj-ea"/>
-                <a:cs typeface="+mj-cs"/>
-              </a:defRPr>
-            </a:lvl1pPr>
-          </a:lstStyle>
-          <a:p>
-            <a:r>
-              <a:rPr lang="en-US" sz="2800" b="1" dirty="0"/>
-              <a:t>Accuracy, Precision, and Recall</a:t>
-            </a:r>
-          </a:p>
-        </p:txBody>
-      </p:sp>
-      <p:sp>
-        <p:nvSpPr>
-          <p:cNvPr id="2" name="TextBox 1">
-            <a:extLst>
-              <a:ext uri="{FF2B5EF4-FFF2-40B4-BE49-F238E27FC236}">
-                <a16:creationId xmlns:a16="http://schemas.microsoft.com/office/drawing/2014/main" id="{1D45F323-C4E7-004C-A529-938AF18B941F}"/>
-              </a:ext>
-            </a:extLst>
-          </p:cNvPr>
-          <p:cNvSpPr txBox="1"/>
-          <p:nvPr/>
-        </p:nvSpPr>
-        <p:spPr>
-          <a:xfrm>
-            <a:off x="836675" y="1875488"/>
-            <a:ext cx="11072262" cy="369332"/>
-          </a:xfrm>
-          <a:prstGeom prst="rect">
-            <a:avLst/>
-          </a:prstGeom>
-          <a:noFill/>
-        </p:spPr>
-        <p:txBody>
-          <a:bodyPr wrap="none" rtlCol="0">
+          <a:bodyPr wrap="square">
             <a:spAutoFit/>
           </a:bodyPr>
           <a:lstStyle/>
           <a:p>
+            <a:endParaRPr lang="en-US" b="1" dirty="0"/>
+          </a:p>
+          <a:p>
+            <a:r>
+              <a:rPr lang="en-US" b="1" dirty="0"/>
+              <a:t>Test-train split – </a:t>
+            </a:r>
             <a:r>
               <a:rPr lang="en-US" dirty="0"/>
-              <a:t>The accuracy of simple logistic regression is almost same as the </a:t>
-            </a:r>
-            <a:r>
-              <a:rPr lang="en-US" dirty="0" err="1"/>
-              <a:t>LogisticRegressionCV</a:t>
-            </a:r>
-            <a:r>
-              <a:rPr lang="en-US" dirty="0"/>
-              <a:t> which was 88.78%</a:t>
+              <a:t>We also ran logistic regression with explicit train-test (0.75/0.25) split with stratify=y</a:t>
             </a:r>
           </a:p>
         </p:txBody>
       </p:sp>
       <p:pic>
         <p:nvPicPr>
-          <p:cNvPr id="6" name="Picture 5" descr="Text&#10;&#10;Description automatically generated">
-            <a:extLst>
-              <a:ext uri="{FF2B5EF4-FFF2-40B4-BE49-F238E27FC236}">
-                <a16:creationId xmlns:a16="http://schemas.microsoft.com/office/drawing/2014/main" id="{5A3C98EB-E671-E547-B459-866D57CEE56D}"/>
+          <p:cNvPr id="7" name="Picture 6">
+            <a:extLst>
+              <a:ext uri="{FF2B5EF4-FFF2-40B4-BE49-F238E27FC236}">
+                <a16:creationId xmlns:a16="http://schemas.microsoft.com/office/drawing/2014/main" id="{8E893A0A-C2D9-4B4E-80BA-53980AF1D98D}"/>
               </a:ext>
             </a:extLst>
           </p:cNvPr>
@@ -7899,21 +7542,15 @@
           <p:nvPr/>
         </p:nvPicPr>
         <p:blipFill>
-          <a:blip r:embed="rId2">
-            <a:extLst>
-              <a:ext uri="{28A0092B-C50C-407E-A947-70E740481C1C}">
-                <a14:useLocalDpi xmlns:a14="http://schemas.microsoft.com/office/drawing/2010/main" val="0"/>
-              </a:ext>
-            </a:extLst>
-          </a:blip>
+          <a:blip r:embed="rId2"/>
           <a:stretch>
             <a:fillRect/>
           </a:stretch>
         </p:blipFill>
         <p:spPr>
           <a:xfrm>
-            <a:off x="3885482" y="3249976"/>
-            <a:ext cx="4421036" cy="848681"/>
+            <a:off x="1735055" y="2262549"/>
+            <a:ext cx="7773202" cy="1629801"/>
           </a:xfrm>
           <a:prstGeom prst="rect">
             <a:avLst/>
@@ -7934,10 +7571,92 @@
           </a:effectLst>
         </p:spPr>
       </p:pic>
+      <p:sp>
+        <p:nvSpPr>
+          <p:cNvPr id="8" name="Rectangle 7">
+            <a:extLst>
+              <a:ext uri="{FF2B5EF4-FFF2-40B4-BE49-F238E27FC236}">
+                <a16:creationId xmlns:a16="http://schemas.microsoft.com/office/drawing/2014/main" id="{2E005BB9-DF39-4CCD-B57E-3AEFDA878CFD}"/>
+              </a:ext>
+            </a:extLst>
+          </p:cNvPr>
+          <p:cNvSpPr/>
+          <p:nvPr/>
+        </p:nvSpPr>
+        <p:spPr>
+          <a:xfrm>
+            <a:off x="648270" y="3755056"/>
+            <a:ext cx="9946772" cy="646331"/>
+          </a:xfrm>
+          <a:prstGeom prst="rect">
+            <a:avLst/>
+          </a:prstGeom>
+        </p:spPr>
+        <p:txBody>
+          <a:bodyPr wrap="square">
+            <a:spAutoFit/>
+          </a:bodyPr>
+          <a:lstStyle/>
+          <a:p>
+            <a:endParaRPr lang="en-US" b="1" dirty="0"/>
+          </a:p>
+          <a:p>
+            <a:r>
+              <a:rPr lang="en-US" b="1" dirty="0"/>
+              <a:t>Logistic Regression</a:t>
+            </a:r>
+            <a:endParaRPr lang="en-US" dirty="0"/>
+          </a:p>
+        </p:txBody>
+      </p:sp>
+      <p:pic>
+        <p:nvPicPr>
+          <p:cNvPr id="10" name="Picture 9">
+            <a:extLst>
+              <a:ext uri="{FF2B5EF4-FFF2-40B4-BE49-F238E27FC236}">
+                <a16:creationId xmlns:a16="http://schemas.microsoft.com/office/drawing/2014/main" id="{2329AA45-BE43-4D1B-AB54-E1BEBEB6D54A}"/>
+              </a:ext>
+            </a:extLst>
+          </p:cNvPr>
+          <p:cNvPicPr>
+            <a:picLocks noChangeAspect="1"/>
+          </p:cNvPicPr>
+          <p:nvPr/>
+        </p:nvPicPr>
+        <p:blipFill>
+          <a:blip r:embed="rId3"/>
+          <a:stretch>
+            <a:fillRect/>
+          </a:stretch>
+        </p:blipFill>
+        <p:spPr>
+          <a:xfrm>
+            <a:off x="1735055" y="4551163"/>
+            <a:ext cx="7773202" cy="1541778"/>
+          </a:xfrm>
+          <a:prstGeom prst="rect">
+            <a:avLst/>
+          </a:prstGeom>
+          <a:ln w="38100" cap="sq">
+            <a:solidFill>
+              <a:srgbClr val="000000"/>
+            </a:solidFill>
+            <a:prstDash val="solid"/>
+            <a:miter lim="800000"/>
+          </a:ln>
+          <a:effectLst>
+            <a:outerShdw blurRad="50800" dist="38100" dir="2700000" algn="tl" rotWithShape="0">
+              <a:srgbClr val="000000">
+                <a:alpha val="43000"/>
+              </a:srgbClr>
+            </a:outerShdw>
+          </a:effectLst>
+        </p:spPr>
+      </p:pic>
     </p:spTree>
     <p:extLst>
       <p:ext uri="{BB962C8B-B14F-4D97-AF65-F5344CB8AC3E}">
-        <p14:creationId xmlns:p14="http://schemas.microsoft.com/office/powerpoint/2010/main" val="1983303423"/>
+        <p14:creationId xmlns:p14="http://schemas.microsoft.com/office/powerpoint/2010/main" val="1194908103"/>
       </p:ext>
     </p:extLst>
   </p:cSld>
@@ -7966,46 +7685,97 @@
       </p:grpSpPr>
       <p:sp>
         <p:nvSpPr>
-          <p:cNvPr id="2" name="TextBox 1">
-            <a:extLst>
-              <a:ext uri="{FF2B5EF4-FFF2-40B4-BE49-F238E27FC236}">
-                <a16:creationId xmlns:a16="http://schemas.microsoft.com/office/drawing/2014/main" id="{3A5A7435-6CFC-6B48-B030-6316F03F21D0}"/>
-              </a:ext>
-            </a:extLst>
-          </p:cNvPr>
-          <p:cNvSpPr txBox="1"/>
+          <p:cNvPr id="3" name="Content Placeholder 2">
+            <a:extLst>
+              <a:ext uri="{FF2B5EF4-FFF2-40B4-BE49-F238E27FC236}">
+                <a16:creationId xmlns:a16="http://schemas.microsoft.com/office/drawing/2014/main" id="{0E2D0E74-4E5A-450C-BAAF-3ADC2C0E5ECE}"/>
+              </a:ext>
+            </a:extLst>
+          </p:cNvPr>
+          <p:cNvSpPr>
+            <a:spLocks noGrp="1"/>
+          </p:cNvSpPr>
+          <p:nvPr>
+            <p:ph idx="4294967295"/>
+          </p:nvPr>
+        </p:nvSpPr>
+        <p:spPr>
+          <a:xfrm>
+            <a:off x="662471" y="475862"/>
+            <a:ext cx="11420671" cy="5650302"/>
+          </a:xfrm>
+        </p:spPr>
+        <p:txBody>
+          <a:bodyPr/>
+          <a:lstStyle/>
+          <a:p>
+            <a:endParaRPr lang="en-US" sz="1600" dirty="0"/>
+          </a:p>
+          <a:p>
+            <a:pPr marL="0" indent="0">
+              <a:buNone/>
+            </a:pPr>
+            <a:endParaRPr lang="en-US" sz="1600" dirty="0"/>
+          </a:p>
+        </p:txBody>
+      </p:sp>
+      <p:sp>
+        <p:nvSpPr>
+          <p:cNvPr id="5" name="Title 1">
+            <a:extLst>
+              <a:ext uri="{FF2B5EF4-FFF2-40B4-BE49-F238E27FC236}">
+                <a16:creationId xmlns:a16="http://schemas.microsoft.com/office/drawing/2014/main" id="{72180D6E-AAC9-4D13-8E44-4A3139DB3934}"/>
+              </a:ext>
+            </a:extLst>
+          </p:cNvPr>
+          <p:cNvSpPr txBox="1">
+            <a:spLocks/>
+          </p:cNvSpPr>
           <p:nvPr/>
         </p:nvSpPr>
         <p:spPr>
           <a:xfrm>
-            <a:off x="5045071" y="760163"/>
-            <a:ext cx="2101857" cy="523220"/>
+            <a:off x="373222" y="389165"/>
+            <a:ext cx="10972800" cy="485386"/>
           </a:xfrm>
           <a:prstGeom prst="rect">
             <a:avLst/>
           </a:prstGeom>
-          <a:noFill/>
         </p:spPr>
         <p:txBody>
-          <a:bodyPr wrap="none" rtlCol="0">
-            <a:spAutoFit/>
+          <a:bodyPr vert="horz" lIns="91440" tIns="45720" rIns="91440" bIns="45720" rtlCol="0" anchor="ctr">
+            <a:noAutofit/>
           </a:bodyPr>
-          <a:lstStyle/>
-          <a:p>
-            <a:pPr algn="ctr"/>
+          <a:lstStyle>
+            <a:lvl1pPr algn="ctr" defTabSz="914400" rtl="0" eaLnBrk="1" latinLnBrk="0" hangingPunct="1">
+              <a:spcBef>
+                <a:spcPct val="0"/>
+              </a:spcBef>
+              <a:buNone/>
+              <a:defRPr sz="4400" b="0" i="0" u="none" kern="1200">
+                <a:solidFill>
+                  <a:schemeClr val="tx1"/>
+                </a:solidFill>
+                <a:latin typeface="+mj-lt"/>
+                <a:ea typeface="+mj-ea"/>
+                <a:cs typeface="+mj-cs"/>
+              </a:defRPr>
+            </a:lvl1pPr>
+          </a:lstStyle>
+          <a:p>
             <a:r>
               <a:rPr lang="en-US" sz="2800" b="1" dirty="0"/>
-              <a:t>ROC Curve</a:t>
+              <a:t>Confusion Matrix</a:t>
             </a:r>
           </a:p>
         </p:txBody>
       </p:sp>
       <p:pic>
         <p:nvPicPr>
-          <p:cNvPr id="4098" name="Picture 2">
-            <a:extLst>
-              <a:ext uri="{FF2B5EF4-FFF2-40B4-BE49-F238E27FC236}">
-                <a16:creationId xmlns:a16="http://schemas.microsoft.com/office/drawing/2014/main" id="{1765EC1F-7605-084E-9986-2F0509E7A555}"/>
+          <p:cNvPr id="1028" name="Picture 4">
+            <a:extLst>
+              <a:ext uri="{FF2B5EF4-FFF2-40B4-BE49-F238E27FC236}">
+                <a16:creationId xmlns:a16="http://schemas.microsoft.com/office/drawing/2014/main" id="{DC111A1E-C8E0-554F-BA30-DAB82C39B675}"/>
               </a:ext>
             </a:extLst>
           </p:cNvPr>
@@ -8029,8 +7799,8 @@
         </p:blipFill>
         <p:spPr bwMode="auto">
           <a:xfrm>
-            <a:off x="3476999" y="2713513"/>
-            <a:ext cx="5238001" cy="3492000"/>
+            <a:off x="3340100" y="2123461"/>
+            <a:ext cx="5511800" cy="4089400"/>
           </a:xfrm>
           <a:prstGeom prst="rect">
             <a:avLst/>
@@ -8060,10 +7830,45 @@
           </a:extLst>
         </p:spPr>
       </p:pic>
+      <p:sp>
+        <p:nvSpPr>
+          <p:cNvPr id="2" name="TextBox 1">
+            <a:extLst>
+              <a:ext uri="{FF2B5EF4-FFF2-40B4-BE49-F238E27FC236}">
+                <a16:creationId xmlns:a16="http://schemas.microsoft.com/office/drawing/2014/main" id="{9A3B2696-9A44-934C-A4EC-D758984DEBE4}"/>
+              </a:ext>
+            </a:extLst>
+          </p:cNvPr>
+          <p:cNvSpPr txBox="1"/>
+          <p:nvPr/>
+        </p:nvSpPr>
+        <p:spPr>
+          <a:xfrm>
+            <a:off x="137766" y="1314340"/>
+            <a:ext cx="11420671" cy="646331"/>
+          </a:xfrm>
+          <a:prstGeom prst="rect">
+            <a:avLst/>
+          </a:prstGeom>
+          <a:noFill/>
+        </p:spPr>
+        <p:txBody>
+          <a:bodyPr wrap="square" rtlCol="0">
+            <a:spAutoFit/>
+          </a:bodyPr>
+          <a:lstStyle/>
+          <a:p>
+            <a:r>
+              <a:rPr lang="en-US" dirty="0"/>
+              <a:t>For generating the confusion matrix, simple logistic regression model was built using train-test split having stratify option. </a:t>
+            </a:r>
+          </a:p>
+        </p:txBody>
+      </p:sp>
     </p:spTree>
     <p:extLst>
       <p:ext uri="{BB962C8B-B14F-4D97-AF65-F5344CB8AC3E}">
-        <p14:creationId xmlns:p14="http://schemas.microsoft.com/office/powerpoint/2010/main" val="2591566905"/>
+        <p14:creationId xmlns:p14="http://schemas.microsoft.com/office/powerpoint/2010/main" val="660177124"/>
       </p:ext>
     </p:extLst>
   </p:cSld>
@@ -8092,10 +7897,10 @@
       </p:grpSpPr>
       <p:sp>
         <p:nvSpPr>
-          <p:cNvPr id="2" name="Title 1">
-            <a:extLst>
-              <a:ext uri="{FF2B5EF4-FFF2-40B4-BE49-F238E27FC236}">
-                <a16:creationId xmlns:a16="http://schemas.microsoft.com/office/drawing/2014/main" id="{80D98F57-D19D-CB43-A10C-35ED5C35E124}"/>
+          <p:cNvPr id="3" name="Content Placeholder 2">
+            <a:extLst>
+              <a:ext uri="{FF2B5EF4-FFF2-40B4-BE49-F238E27FC236}">
+                <a16:creationId xmlns:a16="http://schemas.microsoft.com/office/drawing/2014/main" id="{0E2D0E74-4E5A-450C-BAAF-3ADC2C0E5ECE}"/>
               </a:ext>
             </a:extLst>
           </p:cNvPr>
@@ -8103,52 +7908,177 @@
             <a:spLocks noGrp="1"/>
           </p:cNvSpPr>
           <p:nvPr>
-            <p:ph type="title"/>
+            <p:ph idx="4294967295"/>
           </p:nvPr>
         </p:nvSpPr>
-        <p:spPr/>
+        <p:spPr>
+          <a:xfrm>
+            <a:off x="662471" y="1112704"/>
+            <a:ext cx="11420671" cy="947450"/>
+          </a:xfrm>
+        </p:spPr>
         <p:txBody>
-          <a:bodyPr>
-            <a:normAutofit/>
-          </a:bodyPr>
+          <a:bodyPr/>
           <a:lstStyle/>
           <a:p>
-            <a:r>
-              <a:rPr lang="en-US" b="1" dirty="0"/>
-              <a:t>Interpretation and Explanation</a:t>
-            </a:r>
+            <a:endParaRPr lang="en-US" sz="1600" dirty="0"/>
+          </a:p>
+          <a:p>
+            <a:pPr marL="0" indent="0">
+              <a:buNone/>
+            </a:pPr>
+            <a:endParaRPr lang="en-US" sz="1600" dirty="0"/>
           </a:p>
         </p:txBody>
       </p:sp>
       <p:sp>
         <p:nvSpPr>
-          <p:cNvPr id="3" name="Content Placeholder 2">
-            <a:extLst>
-              <a:ext uri="{FF2B5EF4-FFF2-40B4-BE49-F238E27FC236}">
-                <a16:creationId xmlns:a16="http://schemas.microsoft.com/office/drawing/2014/main" id="{15CC97D3-0351-D545-A252-2381B0435BC5}"/>
-              </a:ext>
-            </a:extLst>
-          </p:cNvPr>
-          <p:cNvSpPr>
-            <a:spLocks noGrp="1"/>
+          <p:cNvPr id="5" name="Title 1">
+            <a:extLst>
+              <a:ext uri="{FF2B5EF4-FFF2-40B4-BE49-F238E27FC236}">
+                <a16:creationId xmlns:a16="http://schemas.microsoft.com/office/drawing/2014/main" id="{72180D6E-AAC9-4D13-8E44-4A3139DB3934}"/>
+              </a:ext>
+            </a:extLst>
+          </p:cNvPr>
+          <p:cNvSpPr txBox="1">
+            <a:spLocks/>
           </p:cNvSpPr>
-          <p:nvPr>
-            <p:ph idx="1"/>
-          </p:nvPr>
+          <p:nvPr/>
         </p:nvSpPr>
-        <p:spPr/>
+        <p:spPr>
+          <a:xfrm>
+            <a:off x="373222" y="389165"/>
+            <a:ext cx="10972800" cy="485386"/>
+          </a:xfrm>
+          <a:prstGeom prst="rect">
+            <a:avLst/>
+          </a:prstGeom>
+        </p:spPr>
         <p:txBody>
-          <a:bodyPr/>
-          <a:lstStyle/>
-          <a:p>
-            <a:endParaRPr lang="en-US" dirty="0"/>
+          <a:bodyPr vert="horz" lIns="91440" tIns="45720" rIns="91440" bIns="45720" rtlCol="0" anchor="ctr">
+            <a:noAutofit/>
+          </a:bodyPr>
+          <a:lstStyle>
+            <a:lvl1pPr algn="ctr" defTabSz="914400" rtl="0" eaLnBrk="1" latinLnBrk="0" hangingPunct="1">
+              <a:spcBef>
+                <a:spcPct val="0"/>
+              </a:spcBef>
+              <a:buNone/>
+              <a:defRPr sz="4400" b="0" i="0" u="none" kern="1200">
+                <a:solidFill>
+                  <a:schemeClr val="tx1"/>
+                </a:solidFill>
+                <a:latin typeface="+mj-lt"/>
+                <a:ea typeface="+mj-ea"/>
+                <a:cs typeface="+mj-cs"/>
+              </a:defRPr>
+            </a:lvl1pPr>
+          </a:lstStyle>
+          <a:p>
+            <a:r>
+              <a:rPr lang="en-US" sz="2800" b="1" dirty="0"/>
+              <a:t>Class Statistics</a:t>
+            </a:r>
           </a:p>
         </p:txBody>
       </p:sp>
+      <p:sp>
+        <p:nvSpPr>
+          <p:cNvPr id="2" name="TextBox 1">
+            <a:extLst>
+              <a:ext uri="{FF2B5EF4-FFF2-40B4-BE49-F238E27FC236}">
+                <a16:creationId xmlns:a16="http://schemas.microsoft.com/office/drawing/2014/main" id="{1D45F323-C4E7-004C-A529-938AF18B941F}"/>
+              </a:ext>
+            </a:extLst>
+          </p:cNvPr>
+          <p:cNvSpPr txBox="1"/>
+          <p:nvPr/>
+        </p:nvSpPr>
+        <p:spPr>
+          <a:xfrm>
+            <a:off x="662470" y="1429585"/>
+            <a:ext cx="11072262" cy="369332"/>
+          </a:xfrm>
+          <a:prstGeom prst="rect">
+            <a:avLst/>
+          </a:prstGeom>
+          <a:noFill/>
+        </p:spPr>
+        <p:txBody>
+          <a:bodyPr wrap="none" rtlCol="0">
+            <a:spAutoFit/>
+          </a:bodyPr>
+          <a:lstStyle/>
+          <a:p>
+            <a:r>
+              <a:rPr lang="en-US" dirty="0"/>
+              <a:t>The accuracy of simple logistic regression is almost same as the </a:t>
+            </a:r>
+            <a:r>
+              <a:rPr lang="en-US" dirty="0" err="1"/>
+              <a:t>LogisticRegressionCV</a:t>
+            </a:r>
+            <a:r>
+              <a:rPr lang="en-US" dirty="0"/>
+              <a:t> which was 88.78%</a:t>
+            </a:r>
+          </a:p>
+        </p:txBody>
+      </p:sp>
+      <p:pic>
+        <p:nvPicPr>
+          <p:cNvPr id="10" name="Picture 9" descr="Text, letter&#10;&#10;Description automatically generated">
+            <a:extLst>
+              <a:ext uri="{FF2B5EF4-FFF2-40B4-BE49-F238E27FC236}">
+                <a16:creationId xmlns:a16="http://schemas.microsoft.com/office/drawing/2014/main" id="{4FFF1138-2DF5-4C13-BFE5-9CD9EA03716A}"/>
+              </a:ext>
+            </a:extLst>
+          </p:cNvPr>
+          <p:cNvPicPr>
+            <a:picLocks noChangeAspect="1"/>
+          </p:cNvPicPr>
+          <p:nvPr/>
+        </p:nvPicPr>
+        <p:blipFill>
+          <a:blip r:embed="rId2">
+            <a:extLst>
+              <a:ext uri="{28A0092B-C50C-407E-A947-70E740481C1C}">
+                <a14:useLocalDpi xmlns:a14="http://schemas.microsoft.com/office/drawing/2010/main" val="0"/>
+              </a:ext>
+            </a:extLst>
+          </a:blip>
+          <a:stretch>
+            <a:fillRect/>
+          </a:stretch>
+        </p:blipFill>
+        <p:spPr>
+          <a:xfrm>
+            <a:off x="3700126" y="3091885"/>
+            <a:ext cx="4791747" cy="1445931"/>
+          </a:xfrm>
+          <a:prstGeom prst="rect">
+            <a:avLst/>
+          </a:prstGeom>
+          <a:ln w="38100" cap="sq">
+            <a:solidFill>
+              <a:srgbClr val="000000"/>
+            </a:solidFill>
+            <a:prstDash val="solid"/>
+            <a:miter lim="800000"/>
+          </a:ln>
+          <a:effectLst>
+            <a:outerShdw blurRad="50800" dist="38100" dir="2700000" algn="tl" rotWithShape="0">
+              <a:srgbClr val="000000">
+                <a:alpha val="43000"/>
+              </a:srgbClr>
+            </a:outerShdw>
+          </a:effectLst>
+        </p:spPr>
+      </p:pic>
     </p:spTree>
     <p:extLst>
       <p:ext uri="{BB962C8B-B14F-4D97-AF65-F5344CB8AC3E}">
-        <p14:creationId xmlns:p14="http://schemas.microsoft.com/office/powerpoint/2010/main" val="1974305735"/>
+        <p14:creationId xmlns:p14="http://schemas.microsoft.com/office/powerpoint/2010/main" val="1983303423"/>
       </p:ext>
     </p:extLst>
   </p:cSld>
@@ -8159,6 +8089,418 @@
 </file>
 
 <file path=ppt/slides/slide34.xml><?xml version="1.0" encoding="utf-8"?>
+<p:sld xmlns:a="http://schemas.openxmlformats.org/drawingml/2006/main" xmlns:r="http://schemas.openxmlformats.org/officeDocument/2006/relationships" xmlns:p="http://schemas.openxmlformats.org/presentationml/2006/main">
+  <p:cSld>
+    <p:spTree>
+      <p:nvGrpSpPr>
+        <p:cNvPr id="1" name=""/>
+        <p:cNvGrpSpPr/>
+        <p:nvPr/>
+      </p:nvGrpSpPr>
+      <p:grpSpPr>
+        <a:xfrm>
+          <a:off x="0" y="0"/>
+          <a:ext cx="0" cy="0"/>
+          <a:chOff x="0" y="0"/>
+          <a:chExt cx="0" cy="0"/>
+        </a:xfrm>
+      </p:grpSpPr>
+      <p:sp>
+        <p:nvSpPr>
+          <p:cNvPr id="2" name="TextBox 1">
+            <a:extLst>
+              <a:ext uri="{FF2B5EF4-FFF2-40B4-BE49-F238E27FC236}">
+                <a16:creationId xmlns:a16="http://schemas.microsoft.com/office/drawing/2014/main" id="{3A5A7435-6CFC-6B48-B030-6316F03F21D0}"/>
+              </a:ext>
+            </a:extLst>
+          </p:cNvPr>
+          <p:cNvSpPr txBox="1"/>
+          <p:nvPr/>
+        </p:nvSpPr>
+        <p:spPr>
+          <a:xfrm>
+            <a:off x="5045071" y="760163"/>
+            <a:ext cx="2101857" cy="523220"/>
+          </a:xfrm>
+          <a:prstGeom prst="rect">
+            <a:avLst/>
+          </a:prstGeom>
+          <a:noFill/>
+        </p:spPr>
+        <p:txBody>
+          <a:bodyPr wrap="none" rtlCol="0">
+            <a:spAutoFit/>
+          </a:bodyPr>
+          <a:lstStyle/>
+          <a:p>
+            <a:pPr algn="ctr"/>
+            <a:r>
+              <a:rPr lang="en-US" sz="2800" b="1" dirty="0"/>
+              <a:t>ROC Curve</a:t>
+            </a:r>
+          </a:p>
+        </p:txBody>
+      </p:sp>
+      <p:pic>
+        <p:nvPicPr>
+          <p:cNvPr id="4098" name="Picture 2">
+            <a:extLst>
+              <a:ext uri="{FF2B5EF4-FFF2-40B4-BE49-F238E27FC236}">
+                <a16:creationId xmlns:a16="http://schemas.microsoft.com/office/drawing/2014/main" id="{1765EC1F-7605-084E-9986-2F0509E7A555}"/>
+              </a:ext>
+            </a:extLst>
+          </p:cNvPr>
+          <p:cNvPicPr>
+            <a:picLocks noChangeAspect="1" noChangeArrowheads="1"/>
+          </p:cNvPicPr>
+          <p:nvPr/>
+        </p:nvPicPr>
+        <p:blipFill>
+          <a:blip r:embed="rId2">
+            <a:extLst>
+              <a:ext uri="{28A0092B-C50C-407E-A947-70E740481C1C}">
+                <a14:useLocalDpi xmlns:a14="http://schemas.microsoft.com/office/drawing/2010/main" val="0"/>
+              </a:ext>
+            </a:extLst>
+          </a:blip>
+          <a:srcRect/>
+          <a:stretch>
+            <a:fillRect/>
+          </a:stretch>
+        </p:blipFill>
+        <p:spPr bwMode="auto">
+          <a:xfrm>
+            <a:off x="3476998" y="2605837"/>
+            <a:ext cx="5238001" cy="3492000"/>
+          </a:xfrm>
+          <a:prstGeom prst="rect">
+            <a:avLst/>
+          </a:prstGeom>
+          <a:ln w="38100" cap="sq">
+            <a:solidFill>
+              <a:srgbClr val="000000"/>
+            </a:solidFill>
+            <a:prstDash val="solid"/>
+            <a:miter lim="800000"/>
+          </a:ln>
+          <a:effectLst>
+            <a:outerShdw blurRad="50800" dist="38100" dir="2700000" algn="tl" rotWithShape="0">
+              <a:srgbClr val="000000">
+                <a:alpha val="43000"/>
+              </a:srgbClr>
+            </a:outerShdw>
+          </a:effectLst>
+          <a:extLst>
+            <a:ext uri="{909E8E84-426E-40DD-AFC4-6F175D3DCCD1}">
+              <a14:hiddenFill xmlns:a14="http://schemas.microsoft.com/office/drawing/2010/main">
+                <a:solidFill>
+                  <a:srgbClr val="FFFFFF"/>
+                </a:solidFill>
+              </a14:hiddenFill>
+            </a:ext>
+          </a:extLst>
+        </p:spPr>
+      </p:pic>
+      <p:sp>
+        <p:nvSpPr>
+          <p:cNvPr id="4" name="TextBox 3">
+            <a:extLst>
+              <a:ext uri="{FF2B5EF4-FFF2-40B4-BE49-F238E27FC236}">
+                <a16:creationId xmlns:a16="http://schemas.microsoft.com/office/drawing/2014/main" id="{118678FE-4BAB-469B-8908-A04ACEB4DE97}"/>
+              </a:ext>
+            </a:extLst>
+          </p:cNvPr>
+          <p:cNvSpPr txBox="1"/>
+          <p:nvPr/>
+        </p:nvSpPr>
+        <p:spPr>
+          <a:xfrm>
+            <a:off x="1366514" y="1554845"/>
+            <a:ext cx="8828618" cy="923330"/>
+          </a:xfrm>
+          <a:prstGeom prst="rect">
+            <a:avLst/>
+          </a:prstGeom>
+          <a:noFill/>
+        </p:spPr>
+        <p:txBody>
+          <a:bodyPr wrap="square" rtlCol="0">
+            <a:spAutoFit/>
+          </a:bodyPr>
+          <a:lstStyle/>
+          <a:p>
+            <a:r>
+              <a:rPr lang="en-US" dirty="0"/>
+              <a:t>This model gave us an ROC curve with </a:t>
+            </a:r>
+            <a:r>
+              <a:rPr lang="en-US" dirty="0" err="1"/>
+              <a:t>auc</a:t>
+            </a:r>
+            <a:r>
+              <a:rPr lang="en-US" dirty="0"/>
+              <a:t> = 0.64. The model with </a:t>
+            </a:r>
+            <a:r>
+              <a:rPr lang="en-US" dirty="0" err="1"/>
+              <a:t>auc</a:t>
+            </a:r>
+            <a:r>
+              <a:rPr lang="en-US" dirty="0"/>
+              <a:t>=1 is considered as best preforming classifier and </a:t>
+            </a:r>
+            <a:r>
+              <a:rPr lang="en-US" dirty="0" err="1"/>
+              <a:t>auc</a:t>
+            </a:r>
+            <a:r>
+              <a:rPr lang="en-US" dirty="0"/>
+              <a:t>=0.5 or less is worthless. So, our model is performing pretty good. </a:t>
+            </a:r>
+          </a:p>
+        </p:txBody>
+      </p:sp>
+    </p:spTree>
+    <p:extLst>
+      <p:ext uri="{BB962C8B-B14F-4D97-AF65-F5344CB8AC3E}">
+        <p14:creationId xmlns:p14="http://schemas.microsoft.com/office/powerpoint/2010/main" val="2591566905"/>
+      </p:ext>
+    </p:extLst>
+  </p:cSld>
+  <p:clrMapOvr>
+    <a:masterClrMapping/>
+  </p:clrMapOvr>
+</p:sld>
+</file>
+
+<file path=ppt/slides/slide35.xml><?xml version="1.0" encoding="utf-8"?>
+<p:sld xmlns:a="http://schemas.openxmlformats.org/drawingml/2006/main" xmlns:r="http://schemas.openxmlformats.org/officeDocument/2006/relationships" xmlns:p="http://schemas.openxmlformats.org/presentationml/2006/main">
+  <p:cSld>
+    <p:spTree>
+      <p:nvGrpSpPr>
+        <p:cNvPr id="1" name=""/>
+        <p:cNvGrpSpPr/>
+        <p:nvPr/>
+      </p:nvGrpSpPr>
+      <p:grpSpPr>
+        <a:xfrm>
+          <a:off x="0" y="0"/>
+          <a:ext cx="0" cy="0"/>
+          <a:chOff x="0" y="0"/>
+          <a:chExt cx="0" cy="0"/>
+        </a:xfrm>
+      </p:grpSpPr>
+      <p:sp>
+        <p:nvSpPr>
+          <p:cNvPr id="3" name="Content Placeholder 2">
+            <a:extLst>
+              <a:ext uri="{FF2B5EF4-FFF2-40B4-BE49-F238E27FC236}">
+                <a16:creationId xmlns:a16="http://schemas.microsoft.com/office/drawing/2014/main" id="{0E2D0E74-4E5A-450C-BAAF-3ADC2C0E5ECE}"/>
+              </a:ext>
+            </a:extLst>
+          </p:cNvPr>
+          <p:cNvSpPr>
+            <a:spLocks noGrp="1"/>
+          </p:cNvSpPr>
+          <p:nvPr>
+            <p:ph idx="4294967295"/>
+          </p:nvPr>
+        </p:nvSpPr>
+        <p:spPr>
+          <a:xfrm>
+            <a:off x="662471" y="475862"/>
+            <a:ext cx="11420671" cy="5650302"/>
+          </a:xfrm>
+        </p:spPr>
+        <p:txBody>
+          <a:bodyPr/>
+          <a:lstStyle/>
+          <a:p>
+            <a:endParaRPr lang="en-US" sz="1600" dirty="0"/>
+          </a:p>
+          <a:p>
+            <a:pPr marL="0" indent="0">
+              <a:buNone/>
+            </a:pPr>
+            <a:endParaRPr lang="en-US" sz="1600" dirty="0"/>
+          </a:p>
+        </p:txBody>
+      </p:sp>
+      <p:sp>
+        <p:nvSpPr>
+          <p:cNvPr id="5" name="Title 1">
+            <a:extLst>
+              <a:ext uri="{FF2B5EF4-FFF2-40B4-BE49-F238E27FC236}">
+                <a16:creationId xmlns:a16="http://schemas.microsoft.com/office/drawing/2014/main" id="{72180D6E-AAC9-4D13-8E44-4A3139DB3934}"/>
+              </a:ext>
+            </a:extLst>
+          </p:cNvPr>
+          <p:cNvSpPr txBox="1">
+            <a:spLocks/>
+          </p:cNvSpPr>
+          <p:nvPr/>
+        </p:nvSpPr>
+        <p:spPr>
+          <a:xfrm>
+            <a:off x="609600" y="316435"/>
+            <a:ext cx="10972800" cy="485386"/>
+          </a:xfrm>
+          <a:prstGeom prst="rect">
+            <a:avLst/>
+          </a:prstGeom>
+        </p:spPr>
+        <p:txBody>
+          <a:bodyPr vert="horz" lIns="91440" tIns="45720" rIns="91440" bIns="45720" rtlCol="0" anchor="ctr">
+            <a:noAutofit/>
+          </a:bodyPr>
+          <a:lstStyle>
+            <a:lvl1pPr algn="ctr" defTabSz="914400" rtl="0" eaLnBrk="1" latinLnBrk="0" hangingPunct="1">
+              <a:spcBef>
+                <a:spcPct val="0"/>
+              </a:spcBef>
+              <a:buNone/>
+              <a:defRPr sz="4400" b="0" i="0" u="none" kern="1200">
+                <a:solidFill>
+                  <a:schemeClr val="tx1"/>
+                </a:solidFill>
+                <a:latin typeface="+mj-lt"/>
+                <a:ea typeface="+mj-ea"/>
+                <a:cs typeface="+mj-cs"/>
+              </a:defRPr>
+            </a:lvl1pPr>
+          </a:lstStyle>
+          <a:p>
+            <a:r>
+              <a:rPr lang="en-US" sz="2800" b="1" dirty="0"/>
+              <a:t>Top 25 features from Logistic Regression</a:t>
+            </a:r>
+          </a:p>
+        </p:txBody>
+      </p:sp>
+      <p:pic>
+        <p:nvPicPr>
+          <p:cNvPr id="6146" name="Picture 2">
+            <a:extLst>
+              <a:ext uri="{FF2B5EF4-FFF2-40B4-BE49-F238E27FC236}">
+                <a16:creationId xmlns:a16="http://schemas.microsoft.com/office/drawing/2014/main" id="{34A4576E-C3CD-6D4C-A304-48DA01FB1ABF}"/>
+              </a:ext>
+            </a:extLst>
+          </p:cNvPr>
+          <p:cNvPicPr>
+            <a:picLocks noChangeAspect="1" noChangeArrowheads="1"/>
+          </p:cNvPicPr>
+          <p:nvPr/>
+        </p:nvPicPr>
+        <p:blipFill>
+          <a:blip r:embed="rId2">
+            <a:extLst>
+              <a:ext uri="{28A0092B-C50C-407E-A947-70E740481C1C}">
+                <a14:useLocalDpi xmlns:a14="http://schemas.microsoft.com/office/drawing/2010/main" val="0"/>
+              </a:ext>
+            </a:extLst>
+          </a:blip>
+          <a:srcRect/>
+          <a:stretch>
+            <a:fillRect/>
+          </a:stretch>
+        </p:blipFill>
+        <p:spPr bwMode="auto">
+          <a:xfrm>
+            <a:off x="5017571" y="2181339"/>
+            <a:ext cx="7065571" cy="3713105"/>
+          </a:xfrm>
+          <a:prstGeom prst="rect">
+            <a:avLst/>
+          </a:prstGeom>
+          <a:ln w="38100" cap="sq">
+            <a:solidFill>
+              <a:srgbClr val="000000"/>
+            </a:solidFill>
+            <a:prstDash val="solid"/>
+            <a:miter lim="800000"/>
+          </a:ln>
+          <a:effectLst>
+            <a:outerShdw blurRad="50800" dist="38100" dir="2700000" algn="tl" rotWithShape="0">
+              <a:srgbClr val="000000">
+                <a:alpha val="43000"/>
+              </a:srgbClr>
+            </a:outerShdw>
+          </a:effectLst>
+          <a:extLst>
+            <a:ext uri="{909E8E84-426E-40DD-AFC4-6F175D3DCCD1}">
+              <a14:hiddenFill xmlns:a14="http://schemas.microsoft.com/office/drawing/2010/main">
+                <a:solidFill>
+                  <a:srgbClr val="FFFFFF"/>
+                </a:solidFill>
+              </a14:hiddenFill>
+            </a:ext>
+          </a:extLst>
+        </p:spPr>
+      </p:pic>
+      <p:pic>
+        <p:nvPicPr>
+          <p:cNvPr id="6" name="Picture 5" descr="Table&#10;&#10;Description automatically generated">
+            <a:extLst>
+              <a:ext uri="{FF2B5EF4-FFF2-40B4-BE49-F238E27FC236}">
+                <a16:creationId xmlns:a16="http://schemas.microsoft.com/office/drawing/2014/main" id="{D1348877-55B3-544B-9CF4-89557278DC0C}"/>
+              </a:ext>
+            </a:extLst>
+          </p:cNvPr>
+          <p:cNvPicPr>
+            <a:picLocks noChangeAspect="1"/>
+          </p:cNvPicPr>
+          <p:nvPr/>
+        </p:nvPicPr>
+        <p:blipFill>
+          <a:blip r:embed="rId3">
+            <a:extLst>
+              <a:ext uri="{28A0092B-C50C-407E-A947-70E740481C1C}">
+                <a14:useLocalDpi xmlns:a14="http://schemas.microsoft.com/office/drawing/2010/main" val="0"/>
+              </a:ext>
+            </a:extLst>
+          </a:blip>
+          <a:stretch>
+            <a:fillRect/>
+          </a:stretch>
+        </p:blipFill>
+        <p:spPr>
+          <a:xfrm>
+            <a:off x="791922" y="801821"/>
+            <a:ext cx="3724907" cy="5867268"/>
+          </a:xfrm>
+          <a:prstGeom prst="rect">
+            <a:avLst/>
+          </a:prstGeom>
+          <a:ln w="38100" cap="sq">
+            <a:solidFill>
+              <a:srgbClr val="000000"/>
+            </a:solidFill>
+            <a:prstDash val="solid"/>
+            <a:miter lim="800000"/>
+          </a:ln>
+          <a:effectLst>
+            <a:outerShdw blurRad="50800" dist="38100" dir="2700000" algn="tl" rotWithShape="0">
+              <a:srgbClr val="000000">
+                <a:alpha val="43000"/>
+              </a:srgbClr>
+            </a:outerShdw>
+          </a:effectLst>
+        </p:spPr>
+      </p:pic>
+    </p:spTree>
+    <p:extLst>
+      <p:ext uri="{BB962C8B-B14F-4D97-AF65-F5344CB8AC3E}">
+        <p14:creationId xmlns:p14="http://schemas.microsoft.com/office/powerpoint/2010/main" val="2511051312"/>
+      </p:ext>
+    </p:extLst>
+  </p:cSld>
+  <p:clrMapOvr>
+    <a:masterClrMapping/>
+  </p:clrMapOvr>
+</p:sld>
+</file>
+
+<file path=ppt/slides/slide36.xml><?xml version="1.0" encoding="utf-8"?>
 <p:sld xmlns:a="http://schemas.openxmlformats.org/drawingml/2006/main" xmlns:r="http://schemas.openxmlformats.org/officeDocument/2006/relationships" xmlns:p="http://schemas.openxmlformats.org/presentationml/2006/main">
   <p:cSld>
     <p:spTree>
